--- a/Docs/Cricket & Turf Tournamnet Management System.pptx
+++ b/Docs/Cricket & Turf Tournamnet Management System.pptx
@@ -15,7 +15,7 @@
     <p:sldId id="305" r:id="rId12"/>
     <p:sldId id="307" r:id="rId13"/>
     <p:sldId id="308" r:id="rId14"/>
-    <p:sldId id="309" r:id="rId15"/>
+    <p:sldId id="311" r:id="rId15"/>
   </p:sldIdLst>
   <p:sldSz cx="12192000" cy="6858000"/>
   <p:notesSz cx="6858000" cy="9144000"/>
@@ -4085,7 +4085,13 @@
   <p:cSld>
     <p:spTree>
       <p:nvGrpSpPr>
-        <p:cNvPr id="1" name=""/>
+        <p:cNvPr id="1" name="">
+          <a:extLst>
+            <a:ext uri="{FF2B5EF4-FFF2-40B4-BE49-F238E27FC236}">
+              <a16:creationId xmlns:a16="http://schemas.microsoft.com/office/drawing/2014/main" id="{A8125463-9A43-08B9-A652-F882DF95BAFE}"/>
+            </a:ext>
+          </a:extLst>
+        </p:cNvPr>
         <p:cNvGrpSpPr/>
         <p:nvPr/>
       </p:nvGrpSpPr>
@@ -4099,10 +4105,59 @@
       </p:grpSpPr>
       <p:sp>
         <p:nvSpPr>
+          <p:cNvPr id="5" name="Rectangle 4">
+            <a:extLst>
+              <a:ext uri="{FF2B5EF4-FFF2-40B4-BE49-F238E27FC236}">
+                <a16:creationId xmlns:a16="http://schemas.microsoft.com/office/drawing/2014/main" id="{431DEFA9-668F-0E5F-A3D9-6172AF9DE94F}"/>
+              </a:ext>
+            </a:extLst>
+          </p:cNvPr>
+          <p:cNvSpPr/>
+          <p:nvPr/>
+        </p:nvSpPr>
+        <p:spPr>
+          <a:xfrm>
+            <a:off x="850232" y="1235242"/>
+            <a:ext cx="10603831" cy="4828674"/>
+          </a:xfrm>
+          <a:prstGeom prst="rect">
+            <a:avLst/>
+          </a:prstGeom>
+          <a:ln>
+            <a:solidFill>
+              <a:schemeClr val="bg1"/>
+            </a:solidFill>
+          </a:ln>
+        </p:spPr>
+        <p:style>
+          <a:lnRef idx="2">
+            <a:schemeClr val="accent6"/>
+          </a:lnRef>
+          <a:fillRef idx="1">
+            <a:schemeClr val="lt1"/>
+          </a:fillRef>
+          <a:effectRef idx="0">
+            <a:schemeClr val="accent6"/>
+          </a:effectRef>
+          <a:fontRef idx="minor">
+            <a:schemeClr val="dk1"/>
+          </a:fontRef>
+        </p:style>
+        <p:txBody>
+          <a:bodyPr rtlCol="0" anchor="ctr"/>
+          <a:lstStyle/>
+          <a:p>
+            <a:pPr algn="ctr"/>
+            <a:endParaRPr lang="en-IN"/>
+          </a:p>
+        </p:txBody>
+      </p:sp>
+      <p:sp>
+        <p:nvSpPr>
           <p:cNvPr id="2" name="Title 1">
             <a:extLst>
               <a:ext uri="{FF2B5EF4-FFF2-40B4-BE49-F238E27FC236}">
-                <a16:creationId xmlns:a16="http://schemas.microsoft.com/office/drawing/2014/main" id="{81E48D9C-A3EB-4027-3ED7-2379B182D62E}"/>
+                <a16:creationId xmlns:a16="http://schemas.microsoft.com/office/drawing/2014/main" id="{86F8743A-B311-E9F9-5F12-837744604B11}"/>
               </a:ext>
             </a:extLst>
           </p:cNvPr>
@@ -4113,14 +4168,19 @@
             <p:ph type="title"/>
           </p:nvPr>
         </p:nvSpPr>
-        <p:spPr/>
+        <p:spPr>
+          <a:xfrm>
+            <a:off x="1122947" y="-364179"/>
+            <a:ext cx="10058400" cy="1125102"/>
+          </a:xfrm>
+        </p:spPr>
         <p:txBody>
           <a:bodyPr/>
           <a:lstStyle/>
           <a:p>
             <a:r>
               <a:rPr lang="en-IN" dirty="0"/>
-              <a:t>Reference</a:t>
+              <a:t>References</a:t>
             </a:r>
           </a:p>
         </p:txBody>
@@ -4130,7 +4190,7 @@
           <p:cNvPr id="3" name="Content Placeholder 2">
             <a:extLst>
               <a:ext uri="{FF2B5EF4-FFF2-40B4-BE49-F238E27FC236}">
-                <a16:creationId xmlns:a16="http://schemas.microsoft.com/office/drawing/2014/main" id="{5F35560A-4018-DD5F-38D8-89B13596744B}"/>
+                <a16:creationId xmlns:a16="http://schemas.microsoft.com/office/drawing/2014/main" id="{2ADC1744-6862-4590-9B14-5D94BDA41B01}"/>
               </a:ext>
             </a:extLst>
           </p:cNvPr>
@@ -4138,22 +4198,240 @@
             <a:spLocks noGrp="1"/>
           </p:cNvSpPr>
           <p:nvPr>
-            <p:ph idx="1"/>
-          </p:nvPr>
-        </p:nvSpPr>
-        <p:spPr/>
-        <p:txBody>
-          <a:bodyPr/>
+            <p:ph sz="half" idx="1"/>
+          </p:nvPr>
+        </p:nvSpPr>
+        <p:spPr>
+          <a:xfrm>
+            <a:off x="1097280" y="794084"/>
+            <a:ext cx="4639736" cy="5075009"/>
+          </a:xfrm>
+        </p:spPr>
+        <p:txBody>
+          <a:bodyPr>
+            <a:noAutofit/>
+          </a:bodyPr>
           <a:lstStyle/>
           <a:p>
-            <a:endParaRPr lang="en-IN"/>
+            <a:pPr marL="0" indent="0">
+              <a:buNone/>
+            </a:pPr>
+            <a:r>
+              <a:rPr lang="en-IN" sz="1600" b="1" dirty="0"/>
+              <a:t>1. Project Document:</a:t>
+            </a:r>
+          </a:p>
+          <a:p>
+            <a:pPr>
+              <a:buFont typeface="Arial" panose="020B0604020202020204" pitchFamily="34" charset="0"/>
+              <a:buChar char="•"/>
+            </a:pPr>
+            <a:r>
+              <a:rPr lang="en-IN" sz="1600" dirty="0"/>
+              <a:t>Project 10 – Cricket &amp; Turf Tournament Management System, Internal PDF Document.</a:t>
+            </a:r>
+          </a:p>
+          <a:p>
+            <a:pPr marL="0" indent="0">
+              <a:buNone/>
+            </a:pPr>
+            <a:r>
+              <a:rPr lang="en-IN" sz="1600" b="1" dirty="0"/>
+              <a:t>2. Web Technologies &amp; Frameworks:</a:t>
+            </a:r>
+          </a:p>
+          <a:p>
+            <a:pPr>
+              <a:buFont typeface="Arial" panose="020B0604020202020204" pitchFamily="34" charset="0"/>
+              <a:buChar char="•"/>
+            </a:pPr>
+            <a:r>
+              <a:rPr lang="en-IN" sz="1600" dirty="0"/>
+              <a:t>MongoDB Documentation – https://www.mongodb.com/docs</a:t>
+            </a:r>
+          </a:p>
+          <a:p>
+            <a:pPr>
+              <a:buFont typeface="Arial" panose="020B0604020202020204" pitchFamily="34" charset="0"/>
+              <a:buChar char="•"/>
+            </a:pPr>
+            <a:r>
+              <a:rPr lang="en-IN" sz="1600" dirty="0"/>
+              <a:t>Express.js Guide – https://expressjs.com</a:t>
+            </a:r>
+          </a:p>
+          <a:p>
+            <a:pPr>
+              <a:buFont typeface="Arial" panose="020B0604020202020204" pitchFamily="34" charset="0"/>
+              <a:buChar char="•"/>
+            </a:pPr>
+            <a:r>
+              <a:rPr lang="en-IN" sz="1600" dirty="0"/>
+              <a:t>React.js Official Docs – https://reactjs.org/docs</a:t>
+            </a:r>
+          </a:p>
+          <a:p>
+            <a:pPr>
+              <a:buFont typeface="Arial" panose="020B0604020202020204" pitchFamily="34" charset="0"/>
+              <a:buChar char="•"/>
+            </a:pPr>
+            <a:r>
+              <a:rPr lang="en-IN" sz="1600" dirty="0"/>
+              <a:t>Node.js Official Docs – https://nodejs.org/en/docs</a:t>
+            </a:r>
+          </a:p>
+          <a:p>
+            <a:pPr marL="0" indent="0">
+              <a:buNone/>
+            </a:pPr>
+            <a:r>
+              <a:rPr lang="en-IN" sz="1600" b="1" dirty="0"/>
+              <a:t>3. Payment Gateway API (for integration):</a:t>
+            </a:r>
+          </a:p>
+          <a:p>
+            <a:pPr>
+              <a:buFont typeface="Arial" panose="020B0604020202020204" pitchFamily="34" charset="0"/>
+              <a:buChar char="•"/>
+            </a:pPr>
+            <a:r>
+              <a:rPr lang="en-IN" sz="1600" dirty="0" err="1"/>
+              <a:t>Razorpay</a:t>
+            </a:r>
+            <a:r>
+              <a:rPr lang="en-IN" sz="1600" dirty="0"/>
+              <a:t> Developer Docs – </a:t>
+            </a:r>
+            <a:r>
+              <a:rPr lang="en-IN" sz="1600" dirty="0">
+                <a:hlinkClick r:id="rId2"/>
+              </a:rPr>
+              <a:t>https://razorpay.com/docs/</a:t>
+            </a:r>
+            <a:r>
+              <a:rPr lang="en-IN" sz="1600" dirty="0"/>
+              <a:t> or Stripe if used – https://stripe.com/docs)</a:t>
+            </a:r>
+          </a:p>
+        </p:txBody>
+      </p:sp>
+      <p:sp>
+        <p:nvSpPr>
+          <p:cNvPr id="4" name="Content Placeholder 3">
+            <a:extLst>
+              <a:ext uri="{FF2B5EF4-FFF2-40B4-BE49-F238E27FC236}">
+                <a16:creationId xmlns:a16="http://schemas.microsoft.com/office/drawing/2014/main" id="{B76BE2C2-756B-874F-5696-5DE5744B4F32}"/>
+              </a:ext>
+            </a:extLst>
+          </p:cNvPr>
+          <p:cNvSpPr>
+            <a:spLocks noGrp="1"/>
+          </p:cNvSpPr>
+          <p:nvPr>
+            <p:ph sz="half" idx="2"/>
+          </p:nvPr>
+        </p:nvSpPr>
+        <p:spPr>
+          <a:xfrm>
+            <a:off x="6515944" y="794084"/>
+            <a:ext cx="4639736" cy="5075010"/>
+          </a:xfrm>
+        </p:spPr>
+        <p:txBody>
+          <a:bodyPr>
+            <a:noAutofit/>
+          </a:bodyPr>
+          <a:lstStyle/>
+          <a:p>
+            <a:pPr marL="0" indent="0">
+              <a:buNone/>
+            </a:pPr>
+            <a:r>
+              <a:rPr lang="en-US" sz="1600" b="1" dirty="0"/>
+              <a:t>4. Real-time Features &amp; Scheduling Concepts:</a:t>
+            </a:r>
+          </a:p>
+          <a:p>
+            <a:pPr>
+              <a:buFont typeface="Arial" panose="020B0604020202020204" pitchFamily="34" charset="0"/>
+              <a:buChar char="•"/>
+            </a:pPr>
+            <a:r>
+              <a:rPr lang="en-US" sz="1600" dirty="0"/>
+              <a:t>Socket.IO for Live Score Updates – https://socket.io/docs</a:t>
+            </a:r>
+          </a:p>
+          <a:p>
+            <a:pPr>
+              <a:buFont typeface="Arial" panose="020B0604020202020204" pitchFamily="34" charset="0"/>
+              <a:buChar char="•"/>
+            </a:pPr>
+            <a:r>
+              <a:rPr lang="en-US" sz="1600" dirty="0"/>
+              <a:t>Tournament Scheduling Algorithms – Research papers and GitHub repositories on fixture generators</a:t>
+            </a:r>
+          </a:p>
+          <a:p>
+            <a:pPr marL="0" indent="0">
+              <a:buNone/>
+            </a:pPr>
+            <a:r>
+              <a:rPr lang="en-US" sz="1600" b="1" dirty="0"/>
+              <a:t>5. Cloud &amp; External Integrations:</a:t>
+            </a:r>
+          </a:p>
+          <a:p>
+            <a:pPr>
+              <a:buFont typeface="Arial" panose="020B0604020202020204" pitchFamily="34" charset="0"/>
+              <a:buChar char="•"/>
+            </a:pPr>
+            <a:r>
+              <a:rPr lang="en-US" sz="1600" dirty="0"/>
+              <a:t>Weather API (e.g., OpenWeatherMap) – https://openweathermap.org/api</a:t>
+            </a:r>
+          </a:p>
+          <a:p>
+            <a:pPr>
+              <a:buFont typeface="Arial" panose="020B0604020202020204" pitchFamily="34" charset="0"/>
+              <a:buChar char="•"/>
+            </a:pPr>
+            <a:r>
+              <a:rPr lang="en-US" sz="1600" dirty="0"/>
+              <a:t>Cloud Storage (e.g., Firebase, AWS S3) – https://firebase.google.com/docs/storage</a:t>
+            </a:r>
+          </a:p>
+          <a:p>
+            <a:pPr marL="0" indent="0">
+              <a:buNone/>
+            </a:pPr>
+            <a:r>
+              <a:rPr lang="en-US" sz="1600" b="1" dirty="0"/>
+              <a:t>6. UI/UX &amp; Component Libraries (if applicable):</a:t>
+            </a:r>
+          </a:p>
+          <a:p>
+            <a:pPr>
+              <a:buFont typeface="Arial" panose="020B0604020202020204" pitchFamily="34" charset="0"/>
+              <a:buChar char="•"/>
+            </a:pPr>
+            <a:r>
+              <a:rPr lang="en-US" sz="1600" dirty="0"/>
+              <a:t>Bootstrap or Material UI – https://getbootstrap.com or https://mui.com</a:t>
+            </a:r>
+          </a:p>
+          <a:p>
+            <a:pPr>
+              <a:buFont typeface="Arial" panose="020B0604020202020204" pitchFamily="34" charset="0"/>
+              <a:buChar char="•"/>
+            </a:pPr>
+            <a:endParaRPr lang="en-US" sz="1600" dirty="0"/>
           </a:p>
         </p:txBody>
       </p:sp>
     </p:spTree>
     <p:extLst>
       <p:ext uri="{BB962C8B-B14F-4D97-AF65-F5344CB8AC3E}">
-        <p14:creationId xmlns:p14="http://schemas.microsoft.com/office/powerpoint/2010/main" val="3123417252"/>
+        <p14:creationId xmlns:p14="http://schemas.microsoft.com/office/powerpoint/2010/main" val="457425676"/>
       </p:ext>
     </p:extLst>
   </p:cSld>
@@ -4729,31 +5007,36 @@
           </a:p>
         </p:txBody>
       </p:sp>
-      <p:sp>
-        <p:nvSpPr>
-          <p:cNvPr id="3" name="Content Placeholder 2">
+      <p:pic>
+        <p:nvPicPr>
+          <p:cNvPr id="5" name="Content Placeholder 4">
             <a:extLst>
               <a:ext uri="{FF2B5EF4-FFF2-40B4-BE49-F238E27FC236}">
-                <a16:creationId xmlns:a16="http://schemas.microsoft.com/office/drawing/2014/main" id="{2A3C25BE-81E0-5931-835A-64F49C612DC7}"/>
+                <a16:creationId xmlns:a16="http://schemas.microsoft.com/office/drawing/2014/main" id="{20A207DC-A60F-5994-7B00-D3DA37CADA40}"/>
               </a:ext>
             </a:extLst>
           </p:cNvPr>
-          <p:cNvSpPr>
-            <a:spLocks noGrp="1"/>
-          </p:cNvSpPr>
+          <p:cNvPicPr>
+            <a:picLocks noGrp="1" noChangeAspect="1"/>
+          </p:cNvPicPr>
           <p:nvPr>
             <p:ph idx="1"/>
           </p:nvPr>
-        </p:nvSpPr>
-        <p:spPr/>
-        <p:txBody>
-          <a:bodyPr/>
-          <a:lstStyle/>
-          <a:p>
-            <a:endParaRPr lang="en-IN"/>
-          </a:p>
-        </p:txBody>
-      </p:sp>
+        </p:nvPicPr>
+        <p:blipFill>
+          <a:blip r:embed="rId2"/>
+          <a:srcRect l="23673" t="16170" r="23564" b="13986"/>
+          <a:stretch>
+            <a:fillRect/>
+          </a:stretch>
+        </p:blipFill>
+        <p:spPr>
+          <a:xfrm>
+            <a:off x="2196798" y="2200457"/>
+            <a:ext cx="7798404" cy="3859684"/>
+          </a:xfrm>
+        </p:spPr>
+      </p:pic>
     </p:spTree>
     <p:extLst>
       <p:ext uri="{BB962C8B-B14F-4D97-AF65-F5344CB8AC3E}">
